--- a/class9/digitalframeworks-9.pptx
+++ b/class9/digitalframeworks-9.pptx
@@ -4763,7 +4763,7 @@
             <a:pPr lvl="1"/>
             <a:r>
               <a:rPr lang="en-US" dirty="0"/>
-              <a:t>Find persons who story affect</a:t>
+              <a:t>Find persons who story affects</a:t>
             </a:r>
           </a:p>
           <a:p>
@@ -4874,7 +4874,7 @@
               <a:t>forms.gle</a:t>
             </a:r>
             <a:r>
-              <a:rPr lang="en-US"/>
+              <a:rPr lang="en-US" dirty="0"/>
               <a:t>/LjCq8iVmVBfSm4tz7</a:t>
             </a:r>
           </a:p>
@@ -5549,7 +5549,7 @@
         <p:spPr/>
         <p:txBody>
           <a:bodyPr>
-            <a:normAutofit lnSpcReduction="10000"/>
+            <a:normAutofit fontScale="92500" lnSpcReduction="10000"/>
           </a:bodyPr>
           <a:lstStyle/>
           <a:p>
@@ -5563,7 +5563,7 @@
             <a:pPr lvl="1"/>
             <a:r>
               <a:rPr lang="en-US" dirty="0"/>
-              <a:t>Can make long text feel short</a:t>
+              <a:t>Can make long text feel short, mesh photo/video and data visuals</a:t>
             </a:r>
           </a:p>
           <a:p>
@@ -5672,7 +5672,7 @@
           <a:p>
             <a:r>
               <a:rPr lang="en-US" dirty="0"/>
-              <a:t>Small data to big data</a:t>
+              <a:t>Small data to big data, or vice versa</a:t>
             </a:r>
           </a:p>
           <a:p>
